--- a/Later/Spring_Later/20_SprintBoot_Basics/13/Spring_Boot_Active_Profile_application_property.pptx
+++ b/Later/Spring_Later/20_SprintBoot_Basics/13/Spring_Boot_Active_Profile_application_property.pptx
@@ -4061,13 +4061,13 @@
         </p:nvSpPr>
         <p:spPr>
           <a:xfrm>
-            <a:off x="3657600" y="1143000"/>
-            <a:ext cx="4114800" cy="841248"/>
+            <a:off x="3657600" y="914400"/>
+            <a:ext cx="4495800" cy="1543050"/>
           </a:xfrm>
           <a:prstGeom prst="wedgeRoundRectCallout">
             <a:avLst>
-              <a:gd name="adj1" fmla="val -63674"/>
-              <a:gd name="adj2" fmla="val 84911"/>
+              <a:gd name="adj1" fmla="val -60738"/>
+              <a:gd name="adj2" fmla="val 37023"/>
               <a:gd name="adj3" fmla="val 16667"/>
             </a:avLst>
           </a:prstGeom>
@@ -4091,9 +4091,42 @@
           <a:bodyPr rtlCol="0" anchor="ctr"/>
           <a:lstStyle/>
           <a:p>
+            <a:pPr marL="171450" indent="-171450">
+              <a:buFont typeface="Wingdings" pitchFamily="2" charset="2"/>
+              <a:buChar char="ü"/>
+            </a:pPr>
+            <a:endParaRPr lang="en-US" sz="1200" dirty="0" smtClean="0"/>
+          </a:p>
+          <a:p>
+            <a:pPr marL="171450" indent="-171450">
+              <a:buFont typeface="Wingdings" pitchFamily="2" charset="2"/>
+              <a:buChar char="ü"/>
+            </a:pPr>
             <a:r>
               <a:rPr lang="en-US" sz="1200" dirty="0"/>
-              <a:t>Spring Boot supports different properties based on the Spring active profile. For example, we can keep two separate files for development and production to run the Spring Boot application.</a:t>
+              <a:t>If we have an application that’s deployed in different environments, we may want it to run on different ports on each system.</a:t>
+            </a:r>
+            <a:endParaRPr lang="en-US" sz="1200" dirty="0"/>
+          </a:p>
+          <a:p>
+            <a:pPr marL="171450" indent="-171450">
+              <a:buFont typeface="Wingdings" pitchFamily="2" charset="2"/>
+              <a:buChar char="ü"/>
+            </a:pPr>
+            <a:endParaRPr lang="en-US" sz="1200" dirty="0" smtClean="0"/>
+          </a:p>
+          <a:p>
+            <a:pPr marL="171450" indent="-171450">
+              <a:buFont typeface="Wingdings" pitchFamily="2" charset="2"/>
+              <a:buChar char="ü"/>
+            </a:pPr>
+            <a:r>
+              <a:rPr lang="en-US" sz="1200" dirty="0" smtClean="0"/>
+              <a:t>Spring </a:t>
+            </a:r>
+            <a:r>
+              <a:rPr lang="en-US" sz="1200" dirty="0"/>
+              <a:t>Boot supports different properties based on the Spring active profile. For example, we can keep two separate files for development and production to run the Spring Boot application.</a:t>
             </a:r>
           </a:p>
         </p:txBody>
